--- a/Web3/Slide.pptx
+++ b/Web3/Slide.pptx
@@ -122,6 +122,11 @@
       </a:defRPr>
     </a:lvl9pPr>
   </p:defaultTextStyle>
+  <p:extLst>
+    <p:ext uri="{EFAFB233-063F-42B5-8137-9DF3F51BA10A}">
+      <p15:sldGuideLst xmlns:p15="http://schemas.microsoft.com/office/powerpoint/2012/main"/>
+    </p:ext>
+  </p:extLst>
 </p:presentation>
 </file>
 
@@ -207,7 +212,7 @@
           <a:p>
             <a:fld id="{17D9C333-AC3D-4A52-A2D4-C6878EF1EBF4}" type="datetimeFigureOut">
               <a:rPr lang="vi-VN" smtClean="0"/>
-              <a:t>11/03/2022</a:t>
+              <a:t>13/03/2022</a:t>
             </a:fld>
             <a:endParaRPr lang="vi-VN"/>
           </a:p>
@@ -621,7 +626,7 @@
           <a:p>
             <a:fld id="{934F881F-2DBF-4925-8EC6-062FABEBE33E}" type="datetime1">
               <a:rPr lang="vi-VN" smtClean="0"/>
-              <a:t>11/03/2022</a:t>
+              <a:t>13/03/2022</a:t>
             </a:fld>
             <a:endParaRPr lang="vi-VN"/>
           </a:p>
@@ -819,7 +824,7 @@
           <a:p>
             <a:fld id="{6454E349-5F72-4D2D-9A19-33E15D21A41A}" type="datetime1">
               <a:rPr lang="vi-VN" smtClean="0"/>
-              <a:t>11/03/2022</a:t>
+              <a:t>13/03/2022</a:t>
             </a:fld>
             <a:endParaRPr lang="vi-VN"/>
           </a:p>
@@ -1027,7 +1032,7 @@
           <a:p>
             <a:fld id="{8F58A5DB-62F1-42AB-9129-A0E64CE2683A}" type="datetime1">
               <a:rPr lang="vi-VN" smtClean="0"/>
-              <a:t>11/03/2022</a:t>
+              <a:t>13/03/2022</a:t>
             </a:fld>
             <a:endParaRPr lang="vi-VN"/>
           </a:p>
@@ -1225,7 +1230,7 @@
           <a:p>
             <a:fld id="{C114B935-3BB8-494B-BE2D-548F13D6CB0C}" type="datetime1">
               <a:rPr lang="vi-VN" smtClean="0"/>
-              <a:t>11/03/2022</a:t>
+              <a:t>13/03/2022</a:t>
             </a:fld>
             <a:endParaRPr lang="vi-VN"/>
           </a:p>
@@ -1285,6 +1290,43 @@
           </a:p>
         </p:txBody>
       </p:sp>
+      <p:pic>
+        <p:nvPicPr>
+          <p:cNvPr id="8" name="Hình ảnh 7">
+            <a:extLst>
+              <a:ext uri="{FF2B5EF4-FFF2-40B4-BE49-F238E27FC236}">
+                <a16:creationId xmlns:a16="http://schemas.microsoft.com/office/drawing/2014/main" id="{CE7D955C-60A5-44A6-B959-DDB88E25E291}"/>
+              </a:ext>
+            </a:extLst>
+          </p:cNvPr>
+          <p:cNvPicPr>
+            <a:picLocks noChangeAspect="1"/>
+          </p:cNvPicPr>
+          <p:nvPr userDrawn="1"/>
+        </p:nvPicPr>
+        <p:blipFill>
+          <a:blip r:embed="rId2">
+            <a:alphaModFix amt="50000"/>
+            <a:extLst>
+              <a:ext uri="{28A0092B-C50C-407E-A947-70E740481C1C}">
+                <a14:useLocalDpi xmlns:a14="http://schemas.microsoft.com/office/drawing/2010/main" val="0"/>
+              </a:ext>
+            </a:extLst>
+          </a:blip>
+          <a:stretch>
+            <a:fillRect/>
+          </a:stretch>
+        </p:blipFill>
+        <p:spPr>
+          <a:xfrm>
+            <a:off x="10391579" y="217061"/>
+            <a:ext cx="1800421" cy="1273331"/>
+          </a:xfrm>
+          <a:prstGeom prst="rect">
+            <a:avLst/>
+          </a:prstGeom>
+        </p:spPr>
+      </p:pic>
     </p:spTree>
     <p:extLst>
       <p:ext uri="{BB962C8B-B14F-4D97-AF65-F5344CB8AC3E}">
@@ -1500,7 +1542,7 @@
           <a:p>
             <a:fld id="{B60015AB-6E32-4D33-B7D8-2301277B11B6}" type="datetime1">
               <a:rPr lang="vi-VN" smtClean="0"/>
-              <a:t>11/03/2022</a:t>
+              <a:t>13/03/2022</a:t>
             </a:fld>
             <a:endParaRPr lang="vi-VN"/>
           </a:p>
@@ -1765,7 +1807,7 @@
           <a:p>
             <a:fld id="{2DE1B266-C07F-4BCB-A3FC-D5ECCBD9283D}" type="datetime1">
               <a:rPr lang="vi-VN" smtClean="0"/>
-              <a:t>11/03/2022</a:t>
+              <a:t>13/03/2022</a:t>
             </a:fld>
             <a:endParaRPr lang="vi-VN"/>
           </a:p>
@@ -2177,7 +2219,7 @@
           <a:p>
             <a:fld id="{83BCC542-F09F-44E7-B49C-22B8CC85286E}" type="datetime1">
               <a:rPr lang="vi-VN" smtClean="0"/>
-              <a:t>11/03/2022</a:t>
+              <a:t>13/03/2022</a:t>
             </a:fld>
             <a:endParaRPr lang="vi-VN"/>
           </a:p>
@@ -2318,7 +2360,7 @@
           <a:p>
             <a:fld id="{29C2802E-E289-4F69-94C8-615B0410A504}" type="datetime1">
               <a:rPr lang="vi-VN" smtClean="0"/>
-              <a:t>11/03/2022</a:t>
+              <a:t>13/03/2022</a:t>
             </a:fld>
             <a:endParaRPr lang="vi-VN"/>
           </a:p>
@@ -2431,7 +2473,7 @@
           <a:p>
             <a:fld id="{00BFB345-C24B-4438-AC02-8C9F52E41920}" type="datetime1">
               <a:rPr lang="vi-VN" smtClean="0"/>
-              <a:t>11/03/2022</a:t>
+              <a:t>13/03/2022</a:t>
             </a:fld>
             <a:endParaRPr lang="vi-VN"/>
           </a:p>
@@ -2742,7 +2784,7 @@
           <a:p>
             <a:fld id="{20495927-01A9-44EC-8A16-8906BE247B28}" type="datetime1">
               <a:rPr lang="vi-VN" smtClean="0"/>
-              <a:t>11/03/2022</a:t>
+              <a:t>13/03/2022</a:t>
             </a:fld>
             <a:endParaRPr lang="vi-VN"/>
           </a:p>
@@ -3030,7 +3072,7 @@
           <a:p>
             <a:fld id="{CA01F0DC-7942-48FF-8D36-53161D66D617}" type="datetime1">
               <a:rPr lang="vi-VN" smtClean="0"/>
-              <a:t>11/03/2022</a:t>
+              <a:t>13/03/2022</a:t>
             </a:fld>
             <a:endParaRPr lang="vi-VN"/>
           </a:p>
@@ -3271,7 +3313,7 @@
           <a:p>
             <a:fld id="{8B6F5B18-673F-45A5-A822-6C87B89C00D9}" type="datetime1">
               <a:rPr lang="vi-VN" smtClean="0"/>
-              <a:t>11/03/2022</a:t>
+              <a:t>13/03/2022</a:t>
             </a:fld>
             <a:endParaRPr lang="vi-VN"/>
           </a:p>
@@ -3712,7 +3754,7 @@
           <a:p>
             <a:r>
               <a:rPr lang="en-US"/>
-              <a:t>Web3</a:t>
+              <a:t>Thiết kế Web3</a:t>
             </a:r>
             <a:endParaRPr lang="vi-VN"/>
           </a:p>
@@ -3741,7 +3783,7 @@
           <a:p>
             <a:r>
               <a:rPr lang="en-US"/>
-              <a:t>Vu Tuan Hai</a:t>
+              <a:t>Vũ Tuấn Hải</a:t>
             </a:r>
             <a:endParaRPr lang="vi-VN"/>
           </a:p>
@@ -3770,7 +3812,7 @@
           <a:p>
             <a:fld id="{DCC78040-28A3-48F6-BC66-C530E1A3B8B0}" type="datetime1">
               <a:rPr lang="vi-VN" smtClean="0"/>
-              <a:t>11/03/2022</a:t>
+              <a:t>13/03/2022</a:t>
             </a:fld>
             <a:endParaRPr lang="vi-VN"/>
           </a:p>
@@ -3961,7 +4003,7 @@
           <a:p>
             <a:fld id="{B43ADED9-BDEE-48D8-BE4C-BA431C6D8838}" type="datetime1">
               <a:rPr lang="vi-VN" smtClean="0"/>
-              <a:t>11/03/2022</a:t>
+              <a:t>13/03/2022</a:t>
             </a:fld>
             <a:endParaRPr lang="vi-VN"/>
           </a:p>
@@ -4153,7 +4195,7 @@
           <a:p>
             <a:fld id="{B43ADED9-BDEE-48D8-BE4C-BA431C6D8838}" type="datetime1">
               <a:rPr lang="vi-VN" smtClean="0"/>
-              <a:t>11/03/2022</a:t>
+              <a:t>13/03/2022</a:t>
             </a:fld>
             <a:endParaRPr lang="vi-VN"/>
           </a:p>
@@ -4349,7 +4391,7 @@
           <a:p>
             <a:fld id="{B43ADED9-BDEE-48D8-BE4C-BA431C6D8838}" type="datetime1">
               <a:rPr lang="vi-VN" smtClean="0"/>
-              <a:t>11/03/2022</a:t>
+              <a:t>13/03/2022</a:t>
             </a:fld>
             <a:endParaRPr lang="vi-VN"/>
           </a:p>
@@ -4545,7 +4587,7 @@
           <a:p>
             <a:fld id="{B43ADED9-BDEE-48D8-BE4C-BA431C6D8838}" type="datetime1">
               <a:rPr lang="vi-VN" smtClean="0"/>
-              <a:t>11/03/2022</a:t>
+              <a:t>13/03/2022</a:t>
             </a:fld>
             <a:endParaRPr lang="vi-VN"/>
           </a:p>
@@ -4741,7 +4783,7 @@
           <a:p>
             <a:fld id="{B43ADED9-BDEE-48D8-BE4C-BA431C6D8838}" type="datetime1">
               <a:rPr lang="vi-VN" smtClean="0"/>
-              <a:t>11/03/2022</a:t>
+              <a:t>13/03/2022</a:t>
             </a:fld>
             <a:endParaRPr lang="vi-VN"/>
           </a:p>
@@ -4937,7 +4979,7 @@
           <a:p>
             <a:fld id="{B43ADED9-BDEE-48D8-BE4C-BA431C6D8838}" type="datetime1">
               <a:rPr lang="vi-VN" smtClean="0"/>
-              <a:t>11/03/2022</a:t>
+              <a:t>13/03/2022</a:t>
             </a:fld>
             <a:endParaRPr lang="vi-VN"/>
           </a:p>
@@ -5133,7 +5175,7 @@
           <a:p>
             <a:fld id="{B43ADED9-BDEE-48D8-BE4C-BA431C6D8838}" type="datetime1">
               <a:rPr lang="vi-VN" smtClean="0"/>
-              <a:t>11/03/2022</a:t>
+              <a:t>13/03/2022</a:t>
             </a:fld>
             <a:endParaRPr lang="vi-VN"/>
           </a:p>
@@ -5293,7 +5335,7 @@
           <a:p>
             <a:fld id="{27E86352-C205-4A92-A7A7-F77EED4508CC}" type="datetime1">
               <a:rPr lang="vi-VN" smtClean="0"/>
-              <a:t>11/03/2022</a:t>
+              <a:t>13/03/2022</a:t>
             </a:fld>
             <a:endParaRPr lang="vi-VN"/>
           </a:p>
@@ -5782,7 +5824,7 @@
           <a:p>
             <a:fld id="{A6D245C0-1B69-4A9B-A14D-154153C223D1}" type="datetime1">
               <a:rPr lang="vi-VN" smtClean="0"/>
-              <a:t>11/03/2022</a:t>
+              <a:t>13/03/2022</a:t>
             </a:fld>
             <a:endParaRPr lang="vi-VN"/>
           </a:p>
@@ -5962,7 +6004,7 @@
           <a:p>
             <a:fld id="{D4735FC1-5541-478E-9169-80C12B67545B}" type="datetime1">
               <a:rPr lang="vi-VN" smtClean="0"/>
-              <a:t>11/03/2022</a:t>
+              <a:t>13/03/2022</a:t>
             </a:fld>
             <a:endParaRPr lang="vi-VN"/>
           </a:p>
@@ -6185,7 +6227,7 @@
           <a:p>
             <a:fld id="{B43ADED9-BDEE-48D8-BE4C-BA431C6D8838}" type="datetime1">
               <a:rPr lang="vi-VN" smtClean="0"/>
-              <a:t>11/03/2022</a:t>
+              <a:t>13/03/2022</a:t>
             </a:fld>
             <a:endParaRPr lang="vi-VN"/>
           </a:p>
@@ -6382,7 +6424,7 @@
           <a:p>
             <a:fld id="{B43ADED9-BDEE-48D8-BE4C-BA431C6D8838}" type="datetime1">
               <a:rPr lang="vi-VN" smtClean="0"/>
-              <a:t>11/03/2022</a:t>
+              <a:t>13/03/2022</a:t>
             </a:fld>
             <a:endParaRPr lang="vi-VN"/>
           </a:p>
@@ -6570,7 +6612,7 @@
           <a:p>
             <a:fld id="{B43ADED9-BDEE-48D8-BE4C-BA431C6D8838}" type="datetime1">
               <a:rPr lang="vi-VN" smtClean="0"/>
-              <a:t>11/03/2022</a:t>
+              <a:t>13/03/2022</a:t>
             </a:fld>
             <a:endParaRPr lang="vi-VN"/>
           </a:p>
@@ -6762,7 +6804,7 @@
           <a:p>
             <a:fld id="{B43ADED9-BDEE-48D8-BE4C-BA431C6D8838}" type="datetime1">
               <a:rPr lang="vi-VN" smtClean="0"/>
-              <a:t>11/03/2022</a:t>
+              <a:t>13/03/2022</a:t>
             </a:fld>
             <a:endParaRPr lang="vi-VN"/>
           </a:p>
@@ -6954,7 +6996,7 @@
           <a:p>
             <a:fld id="{B43ADED9-BDEE-48D8-BE4C-BA431C6D8838}" type="datetime1">
               <a:rPr lang="vi-VN" smtClean="0"/>
-              <a:t>11/03/2022</a:t>
+              <a:t>13/03/2022</a:t>
             </a:fld>
             <a:endParaRPr lang="vi-VN"/>
           </a:p>

--- a/Web3/Slide.pptx
+++ b/Web3/Slide.pptx
@@ -212,7 +212,7 @@
           <a:p>
             <a:fld id="{17D9C333-AC3D-4A52-A2D4-C6878EF1EBF4}" type="datetimeFigureOut">
               <a:rPr lang="vi-VN" smtClean="0"/>
-              <a:t>13/03/2022</a:t>
+              <a:t>14/03/2022</a:t>
             </a:fld>
             <a:endParaRPr lang="vi-VN"/>
           </a:p>
@@ -626,7 +626,7 @@
           <a:p>
             <a:fld id="{934F881F-2DBF-4925-8EC6-062FABEBE33E}" type="datetime1">
               <a:rPr lang="vi-VN" smtClean="0"/>
-              <a:t>13/03/2022</a:t>
+              <a:t>14/03/2022</a:t>
             </a:fld>
             <a:endParaRPr lang="vi-VN"/>
           </a:p>
@@ -824,7 +824,7 @@
           <a:p>
             <a:fld id="{6454E349-5F72-4D2D-9A19-33E15D21A41A}" type="datetime1">
               <a:rPr lang="vi-VN" smtClean="0"/>
-              <a:t>13/03/2022</a:t>
+              <a:t>14/03/2022</a:t>
             </a:fld>
             <a:endParaRPr lang="vi-VN"/>
           </a:p>
@@ -1032,7 +1032,7 @@
           <a:p>
             <a:fld id="{8F58A5DB-62F1-42AB-9129-A0E64CE2683A}" type="datetime1">
               <a:rPr lang="vi-VN" smtClean="0"/>
-              <a:t>13/03/2022</a:t>
+              <a:t>14/03/2022</a:t>
             </a:fld>
             <a:endParaRPr lang="vi-VN"/>
           </a:p>
@@ -1230,7 +1230,7 @@
           <a:p>
             <a:fld id="{C114B935-3BB8-494B-BE2D-548F13D6CB0C}" type="datetime1">
               <a:rPr lang="vi-VN" smtClean="0"/>
-              <a:t>13/03/2022</a:t>
+              <a:t>14/03/2022</a:t>
             </a:fld>
             <a:endParaRPr lang="vi-VN"/>
           </a:p>
@@ -1542,7 +1542,7 @@
           <a:p>
             <a:fld id="{B60015AB-6E32-4D33-B7D8-2301277B11B6}" type="datetime1">
               <a:rPr lang="vi-VN" smtClean="0"/>
-              <a:t>13/03/2022</a:t>
+              <a:t>14/03/2022</a:t>
             </a:fld>
             <a:endParaRPr lang="vi-VN"/>
           </a:p>
@@ -1807,7 +1807,7 @@
           <a:p>
             <a:fld id="{2DE1B266-C07F-4BCB-A3FC-D5ECCBD9283D}" type="datetime1">
               <a:rPr lang="vi-VN" smtClean="0"/>
-              <a:t>13/03/2022</a:t>
+              <a:t>14/03/2022</a:t>
             </a:fld>
             <a:endParaRPr lang="vi-VN"/>
           </a:p>
@@ -2219,7 +2219,7 @@
           <a:p>
             <a:fld id="{83BCC542-F09F-44E7-B49C-22B8CC85286E}" type="datetime1">
               <a:rPr lang="vi-VN" smtClean="0"/>
-              <a:t>13/03/2022</a:t>
+              <a:t>14/03/2022</a:t>
             </a:fld>
             <a:endParaRPr lang="vi-VN"/>
           </a:p>
@@ -2360,7 +2360,7 @@
           <a:p>
             <a:fld id="{29C2802E-E289-4F69-94C8-615B0410A504}" type="datetime1">
               <a:rPr lang="vi-VN" smtClean="0"/>
-              <a:t>13/03/2022</a:t>
+              <a:t>14/03/2022</a:t>
             </a:fld>
             <a:endParaRPr lang="vi-VN"/>
           </a:p>
@@ -2473,7 +2473,7 @@
           <a:p>
             <a:fld id="{00BFB345-C24B-4438-AC02-8C9F52E41920}" type="datetime1">
               <a:rPr lang="vi-VN" smtClean="0"/>
-              <a:t>13/03/2022</a:t>
+              <a:t>14/03/2022</a:t>
             </a:fld>
             <a:endParaRPr lang="vi-VN"/>
           </a:p>
@@ -2784,7 +2784,7 @@
           <a:p>
             <a:fld id="{20495927-01A9-44EC-8A16-8906BE247B28}" type="datetime1">
               <a:rPr lang="vi-VN" smtClean="0"/>
-              <a:t>13/03/2022</a:t>
+              <a:t>14/03/2022</a:t>
             </a:fld>
             <a:endParaRPr lang="vi-VN"/>
           </a:p>
@@ -3072,7 +3072,7 @@
           <a:p>
             <a:fld id="{CA01F0DC-7942-48FF-8D36-53161D66D617}" type="datetime1">
               <a:rPr lang="vi-VN" smtClean="0"/>
-              <a:t>13/03/2022</a:t>
+              <a:t>14/03/2022</a:t>
             </a:fld>
             <a:endParaRPr lang="vi-VN"/>
           </a:p>
@@ -3313,7 +3313,7 @@
           <a:p>
             <a:fld id="{8B6F5B18-673F-45A5-A822-6C87B89C00D9}" type="datetime1">
               <a:rPr lang="vi-VN" smtClean="0"/>
-              <a:t>13/03/2022</a:t>
+              <a:t>14/03/2022</a:t>
             </a:fld>
             <a:endParaRPr lang="vi-VN"/>
           </a:p>
@@ -3785,6 +3785,12 @@
               <a:rPr lang="en-US"/>
               <a:t>Vũ Tuấn Hải</a:t>
             </a:r>
+          </a:p>
+          <a:p>
+            <a:r>
+              <a:rPr lang="en-US"/>
+              <a:t>vutuanhai237@gmail.com</a:t>
+            </a:r>
             <a:endParaRPr lang="vi-VN"/>
           </a:p>
         </p:txBody>
@@ -3812,7 +3818,7 @@
           <a:p>
             <a:fld id="{DCC78040-28A3-48F6-BC66-C530E1A3B8B0}" type="datetime1">
               <a:rPr lang="vi-VN" smtClean="0"/>
-              <a:t>13/03/2022</a:t>
+              <a:t>14/03/2022</a:t>
             </a:fld>
             <a:endParaRPr lang="vi-VN"/>
           </a:p>
@@ -4003,7 +4009,7 @@
           <a:p>
             <a:fld id="{B43ADED9-BDEE-48D8-BE4C-BA431C6D8838}" type="datetime1">
               <a:rPr lang="vi-VN" smtClean="0"/>
-              <a:t>13/03/2022</a:t>
+              <a:t>14/03/2022</a:t>
             </a:fld>
             <a:endParaRPr lang="vi-VN"/>
           </a:p>
@@ -4195,7 +4201,7 @@
           <a:p>
             <a:fld id="{B43ADED9-BDEE-48D8-BE4C-BA431C6D8838}" type="datetime1">
               <a:rPr lang="vi-VN" smtClean="0"/>
-              <a:t>13/03/2022</a:t>
+              <a:t>14/03/2022</a:t>
             </a:fld>
             <a:endParaRPr lang="vi-VN"/>
           </a:p>
@@ -4391,7 +4397,7 @@
           <a:p>
             <a:fld id="{B43ADED9-BDEE-48D8-BE4C-BA431C6D8838}" type="datetime1">
               <a:rPr lang="vi-VN" smtClean="0"/>
-              <a:t>13/03/2022</a:t>
+              <a:t>14/03/2022</a:t>
             </a:fld>
             <a:endParaRPr lang="vi-VN"/>
           </a:p>
@@ -4587,7 +4593,7 @@
           <a:p>
             <a:fld id="{B43ADED9-BDEE-48D8-BE4C-BA431C6D8838}" type="datetime1">
               <a:rPr lang="vi-VN" smtClean="0"/>
-              <a:t>13/03/2022</a:t>
+              <a:t>14/03/2022</a:t>
             </a:fld>
             <a:endParaRPr lang="vi-VN"/>
           </a:p>
@@ -4783,7 +4789,7 @@
           <a:p>
             <a:fld id="{B43ADED9-BDEE-48D8-BE4C-BA431C6D8838}" type="datetime1">
               <a:rPr lang="vi-VN" smtClean="0"/>
-              <a:t>13/03/2022</a:t>
+              <a:t>14/03/2022</a:t>
             </a:fld>
             <a:endParaRPr lang="vi-VN"/>
           </a:p>
@@ -4979,7 +4985,7 @@
           <a:p>
             <a:fld id="{B43ADED9-BDEE-48D8-BE4C-BA431C6D8838}" type="datetime1">
               <a:rPr lang="vi-VN" smtClean="0"/>
-              <a:t>13/03/2022</a:t>
+              <a:t>14/03/2022</a:t>
             </a:fld>
             <a:endParaRPr lang="vi-VN"/>
           </a:p>
@@ -5175,7 +5181,7 @@
           <a:p>
             <a:fld id="{B43ADED9-BDEE-48D8-BE4C-BA431C6D8838}" type="datetime1">
               <a:rPr lang="vi-VN" smtClean="0"/>
-              <a:t>13/03/2022</a:t>
+              <a:t>14/03/2022</a:t>
             </a:fld>
             <a:endParaRPr lang="vi-VN"/>
           </a:p>
@@ -5335,7 +5341,7 @@
           <a:p>
             <a:fld id="{27E86352-C205-4A92-A7A7-F77EED4508CC}" type="datetime1">
               <a:rPr lang="vi-VN" smtClean="0"/>
-              <a:t>13/03/2022</a:t>
+              <a:t>14/03/2022</a:t>
             </a:fld>
             <a:endParaRPr lang="vi-VN"/>
           </a:p>
@@ -5824,7 +5830,7 @@
           <a:p>
             <a:fld id="{A6D245C0-1B69-4A9B-A14D-154153C223D1}" type="datetime1">
               <a:rPr lang="vi-VN" smtClean="0"/>
-              <a:t>13/03/2022</a:t>
+              <a:t>14/03/2022</a:t>
             </a:fld>
             <a:endParaRPr lang="vi-VN"/>
           </a:p>
@@ -6004,7 +6010,7 @@
           <a:p>
             <a:fld id="{D4735FC1-5541-478E-9169-80C12B67545B}" type="datetime1">
               <a:rPr lang="vi-VN" smtClean="0"/>
-              <a:t>13/03/2022</a:t>
+              <a:t>14/03/2022</a:t>
             </a:fld>
             <a:endParaRPr lang="vi-VN"/>
           </a:p>
@@ -6227,7 +6233,7 @@
           <a:p>
             <a:fld id="{B43ADED9-BDEE-48D8-BE4C-BA431C6D8838}" type="datetime1">
               <a:rPr lang="vi-VN" smtClean="0"/>
-              <a:t>13/03/2022</a:t>
+              <a:t>14/03/2022</a:t>
             </a:fld>
             <a:endParaRPr lang="vi-VN"/>
           </a:p>
@@ -6424,7 +6430,7 @@
           <a:p>
             <a:fld id="{B43ADED9-BDEE-48D8-BE4C-BA431C6D8838}" type="datetime1">
               <a:rPr lang="vi-VN" smtClean="0"/>
-              <a:t>13/03/2022</a:t>
+              <a:t>14/03/2022</a:t>
             </a:fld>
             <a:endParaRPr lang="vi-VN"/>
           </a:p>
@@ -6612,7 +6618,7 @@
           <a:p>
             <a:fld id="{B43ADED9-BDEE-48D8-BE4C-BA431C6D8838}" type="datetime1">
               <a:rPr lang="vi-VN" smtClean="0"/>
-              <a:t>13/03/2022</a:t>
+              <a:t>14/03/2022</a:t>
             </a:fld>
             <a:endParaRPr lang="vi-VN"/>
           </a:p>
@@ -6804,7 +6810,7 @@
           <a:p>
             <a:fld id="{B43ADED9-BDEE-48D8-BE4C-BA431C6D8838}" type="datetime1">
               <a:rPr lang="vi-VN" smtClean="0"/>
-              <a:t>13/03/2022</a:t>
+              <a:t>14/03/2022</a:t>
             </a:fld>
             <a:endParaRPr lang="vi-VN"/>
           </a:p>
@@ -6996,7 +7002,7 @@
           <a:p>
             <a:fld id="{B43ADED9-BDEE-48D8-BE4C-BA431C6D8838}" type="datetime1">
               <a:rPr lang="vi-VN" smtClean="0"/>
-              <a:t>13/03/2022</a:t>
+              <a:t>14/03/2022</a:t>
             </a:fld>
             <a:endParaRPr lang="vi-VN"/>
           </a:p>

--- a/Web3/Slide.pptx
+++ b/Web3/Slide.pptx
@@ -212,7 +212,7 @@
           <a:p>
             <a:fld id="{17D9C333-AC3D-4A52-A2D4-C6878EF1EBF4}" type="datetimeFigureOut">
               <a:rPr lang="vi-VN" smtClean="0"/>
-              <a:t>14/03/2022</a:t>
+              <a:t>28/03/2022</a:t>
             </a:fld>
             <a:endParaRPr lang="vi-VN"/>
           </a:p>
@@ -626,7 +626,7 @@
           <a:p>
             <a:fld id="{934F881F-2DBF-4925-8EC6-062FABEBE33E}" type="datetime1">
               <a:rPr lang="vi-VN" smtClean="0"/>
-              <a:t>14/03/2022</a:t>
+              <a:t>28/03/2022</a:t>
             </a:fld>
             <a:endParaRPr lang="vi-VN"/>
           </a:p>
@@ -824,7 +824,7 @@
           <a:p>
             <a:fld id="{6454E349-5F72-4D2D-9A19-33E15D21A41A}" type="datetime1">
               <a:rPr lang="vi-VN" smtClean="0"/>
-              <a:t>14/03/2022</a:t>
+              <a:t>28/03/2022</a:t>
             </a:fld>
             <a:endParaRPr lang="vi-VN"/>
           </a:p>
@@ -1032,7 +1032,7 @@
           <a:p>
             <a:fld id="{8F58A5DB-62F1-42AB-9129-A0E64CE2683A}" type="datetime1">
               <a:rPr lang="vi-VN" smtClean="0"/>
-              <a:t>14/03/2022</a:t>
+              <a:t>28/03/2022</a:t>
             </a:fld>
             <a:endParaRPr lang="vi-VN"/>
           </a:p>
@@ -1230,7 +1230,7 @@
           <a:p>
             <a:fld id="{C114B935-3BB8-494B-BE2D-548F13D6CB0C}" type="datetime1">
               <a:rPr lang="vi-VN" smtClean="0"/>
-              <a:t>14/03/2022</a:t>
+              <a:t>28/03/2022</a:t>
             </a:fld>
             <a:endParaRPr lang="vi-VN"/>
           </a:p>
@@ -1542,7 +1542,7 @@
           <a:p>
             <a:fld id="{B60015AB-6E32-4D33-B7D8-2301277B11B6}" type="datetime1">
               <a:rPr lang="vi-VN" smtClean="0"/>
-              <a:t>14/03/2022</a:t>
+              <a:t>28/03/2022</a:t>
             </a:fld>
             <a:endParaRPr lang="vi-VN"/>
           </a:p>
@@ -1807,7 +1807,7 @@
           <a:p>
             <a:fld id="{2DE1B266-C07F-4BCB-A3FC-D5ECCBD9283D}" type="datetime1">
               <a:rPr lang="vi-VN" smtClean="0"/>
-              <a:t>14/03/2022</a:t>
+              <a:t>28/03/2022</a:t>
             </a:fld>
             <a:endParaRPr lang="vi-VN"/>
           </a:p>
@@ -2219,7 +2219,7 @@
           <a:p>
             <a:fld id="{83BCC542-F09F-44E7-B49C-22B8CC85286E}" type="datetime1">
               <a:rPr lang="vi-VN" smtClean="0"/>
-              <a:t>14/03/2022</a:t>
+              <a:t>28/03/2022</a:t>
             </a:fld>
             <a:endParaRPr lang="vi-VN"/>
           </a:p>
@@ -2360,7 +2360,7 @@
           <a:p>
             <a:fld id="{29C2802E-E289-4F69-94C8-615B0410A504}" type="datetime1">
               <a:rPr lang="vi-VN" smtClean="0"/>
-              <a:t>14/03/2022</a:t>
+              <a:t>28/03/2022</a:t>
             </a:fld>
             <a:endParaRPr lang="vi-VN"/>
           </a:p>
@@ -2473,7 +2473,7 @@
           <a:p>
             <a:fld id="{00BFB345-C24B-4438-AC02-8C9F52E41920}" type="datetime1">
               <a:rPr lang="vi-VN" smtClean="0"/>
-              <a:t>14/03/2022</a:t>
+              <a:t>28/03/2022</a:t>
             </a:fld>
             <a:endParaRPr lang="vi-VN"/>
           </a:p>
@@ -2784,7 +2784,7 @@
           <a:p>
             <a:fld id="{20495927-01A9-44EC-8A16-8906BE247B28}" type="datetime1">
               <a:rPr lang="vi-VN" smtClean="0"/>
-              <a:t>14/03/2022</a:t>
+              <a:t>28/03/2022</a:t>
             </a:fld>
             <a:endParaRPr lang="vi-VN"/>
           </a:p>
@@ -3072,7 +3072,7 @@
           <a:p>
             <a:fld id="{CA01F0DC-7942-48FF-8D36-53161D66D617}" type="datetime1">
               <a:rPr lang="vi-VN" smtClean="0"/>
-              <a:t>14/03/2022</a:t>
+              <a:t>28/03/2022</a:t>
             </a:fld>
             <a:endParaRPr lang="vi-VN"/>
           </a:p>
@@ -3313,7 +3313,7 @@
           <a:p>
             <a:fld id="{8B6F5B18-673F-45A5-A822-6C87B89C00D9}" type="datetime1">
               <a:rPr lang="vi-VN" smtClean="0"/>
-              <a:t>14/03/2022</a:t>
+              <a:t>28/03/2022</a:t>
             </a:fld>
             <a:endParaRPr lang="vi-VN"/>
           </a:p>
@@ -3818,7 +3818,7 @@
           <a:p>
             <a:fld id="{DCC78040-28A3-48F6-BC66-C530E1A3B8B0}" type="datetime1">
               <a:rPr lang="vi-VN" smtClean="0"/>
-              <a:t>14/03/2022</a:t>
+              <a:t>28/03/2022</a:t>
             </a:fld>
             <a:endParaRPr lang="vi-VN"/>
           </a:p>
@@ -4009,7 +4009,7 @@
           <a:p>
             <a:fld id="{B43ADED9-BDEE-48D8-BE4C-BA431C6D8838}" type="datetime1">
               <a:rPr lang="vi-VN" smtClean="0"/>
-              <a:t>14/03/2022</a:t>
+              <a:t>28/03/2022</a:t>
             </a:fld>
             <a:endParaRPr lang="vi-VN"/>
           </a:p>
@@ -4201,7 +4201,7 @@
           <a:p>
             <a:fld id="{B43ADED9-BDEE-48D8-BE4C-BA431C6D8838}" type="datetime1">
               <a:rPr lang="vi-VN" smtClean="0"/>
-              <a:t>14/03/2022</a:t>
+              <a:t>28/03/2022</a:t>
             </a:fld>
             <a:endParaRPr lang="vi-VN"/>
           </a:p>
@@ -4397,7 +4397,7 @@
           <a:p>
             <a:fld id="{B43ADED9-BDEE-48D8-BE4C-BA431C6D8838}" type="datetime1">
               <a:rPr lang="vi-VN" smtClean="0"/>
-              <a:t>14/03/2022</a:t>
+              <a:t>28/03/2022</a:t>
             </a:fld>
             <a:endParaRPr lang="vi-VN"/>
           </a:p>
@@ -4593,7 +4593,7 @@
           <a:p>
             <a:fld id="{B43ADED9-BDEE-48D8-BE4C-BA431C6D8838}" type="datetime1">
               <a:rPr lang="vi-VN" smtClean="0"/>
-              <a:t>14/03/2022</a:t>
+              <a:t>28/03/2022</a:t>
             </a:fld>
             <a:endParaRPr lang="vi-VN"/>
           </a:p>
@@ -4789,7 +4789,7 @@
           <a:p>
             <a:fld id="{B43ADED9-BDEE-48D8-BE4C-BA431C6D8838}" type="datetime1">
               <a:rPr lang="vi-VN" smtClean="0"/>
-              <a:t>14/03/2022</a:t>
+              <a:t>28/03/2022</a:t>
             </a:fld>
             <a:endParaRPr lang="vi-VN"/>
           </a:p>
@@ -4985,7 +4985,7 @@
           <a:p>
             <a:fld id="{B43ADED9-BDEE-48D8-BE4C-BA431C6D8838}" type="datetime1">
               <a:rPr lang="vi-VN" smtClean="0"/>
-              <a:t>14/03/2022</a:t>
+              <a:t>28/03/2022</a:t>
             </a:fld>
             <a:endParaRPr lang="vi-VN"/>
           </a:p>
@@ -5181,7 +5181,7 @@
           <a:p>
             <a:fld id="{B43ADED9-BDEE-48D8-BE4C-BA431C6D8838}" type="datetime1">
               <a:rPr lang="vi-VN" smtClean="0"/>
-              <a:t>14/03/2022</a:t>
+              <a:t>28/03/2022</a:t>
             </a:fld>
             <a:endParaRPr lang="vi-VN"/>
           </a:p>
@@ -5341,7 +5341,7 @@
           <a:p>
             <a:fld id="{27E86352-C205-4A92-A7A7-F77EED4508CC}" type="datetime1">
               <a:rPr lang="vi-VN" smtClean="0"/>
-              <a:t>14/03/2022</a:t>
+              <a:t>28/03/2022</a:t>
             </a:fld>
             <a:endParaRPr lang="vi-VN"/>
           </a:p>
@@ -5830,7 +5830,7 @@
           <a:p>
             <a:fld id="{A6D245C0-1B69-4A9B-A14D-154153C223D1}" type="datetime1">
               <a:rPr lang="vi-VN" smtClean="0"/>
-              <a:t>14/03/2022</a:t>
+              <a:t>28/03/2022</a:t>
             </a:fld>
             <a:endParaRPr lang="vi-VN"/>
           </a:p>
@@ -6010,7 +6010,7 @@
           <a:p>
             <a:fld id="{D4735FC1-5541-478E-9169-80C12B67545B}" type="datetime1">
               <a:rPr lang="vi-VN" smtClean="0"/>
-              <a:t>14/03/2022</a:t>
+              <a:t>28/03/2022</a:t>
             </a:fld>
             <a:endParaRPr lang="vi-VN"/>
           </a:p>
@@ -6233,7 +6233,7 @@
           <a:p>
             <a:fld id="{B43ADED9-BDEE-48D8-BE4C-BA431C6D8838}" type="datetime1">
               <a:rPr lang="vi-VN" smtClean="0"/>
-              <a:t>14/03/2022</a:t>
+              <a:t>28/03/2022</a:t>
             </a:fld>
             <a:endParaRPr lang="vi-VN"/>
           </a:p>
@@ -6430,7 +6430,7 @@
           <a:p>
             <a:fld id="{B43ADED9-BDEE-48D8-BE4C-BA431C6D8838}" type="datetime1">
               <a:rPr lang="vi-VN" smtClean="0"/>
-              <a:t>14/03/2022</a:t>
+              <a:t>28/03/2022</a:t>
             </a:fld>
             <a:endParaRPr lang="vi-VN"/>
           </a:p>
@@ -6618,7 +6618,7 @@
           <a:p>
             <a:fld id="{B43ADED9-BDEE-48D8-BE4C-BA431C6D8838}" type="datetime1">
               <a:rPr lang="vi-VN" smtClean="0"/>
-              <a:t>14/03/2022</a:t>
+              <a:t>28/03/2022</a:t>
             </a:fld>
             <a:endParaRPr lang="vi-VN"/>
           </a:p>
@@ -6748,7 +6748,7 @@
             </a:pPr>
             <a:r>
               <a:rPr lang="en-US"/>
-              <a:t>Hook State</a:t>
+              <a:t>Hook State, Hook Effect</a:t>
             </a:r>
           </a:p>
           <a:p>
@@ -6758,7 +6758,7 @@
             </a:pPr>
             <a:r>
               <a:rPr lang="en-US"/>
-              <a:t>Hook Ref</a:t>
+              <a:t>React Bootstrap</a:t>
             </a:r>
           </a:p>
           <a:p>
@@ -6766,10 +6766,7 @@
               <a:buFontTx/>
               <a:buChar char="-"/>
             </a:pPr>
-            <a:r>
-              <a:rPr lang="en-US"/>
-              <a:t>Hook Effect</a:t>
-            </a:r>
+            <a:endParaRPr lang="en-US"/>
           </a:p>
           <a:p>
             <a:pPr>
@@ -6778,13 +6775,6 @@
             </a:pPr>
             <a:endParaRPr lang="en-US"/>
           </a:p>
-          <a:p>
-            <a:pPr>
-              <a:buFontTx/>
-              <a:buChar char="-"/>
-            </a:pPr>
-            <a:endParaRPr lang="en-US"/>
-          </a:p>
         </p:txBody>
       </p:sp>
       <p:sp>
@@ -6810,7 +6800,7 @@
           <a:p>
             <a:fld id="{B43ADED9-BDEE-48D8-BE4C-BA431C6D8838}" type="datetime1">
               <a:rPr lang="vi-VN" smtClean="0"/>
-              <a:t>14/03/2022</a:t>
+              <a:t>28/03/2022</a:t>
             </a:fld>
             <a:endParaRPr lang="vi-VN"/>
           </a:p>
@@ -7002,7 +6992,7 @@
           <a:p>
             <a:fld id="{B43ADED9-BDEE-48D8-BE4C-BA431C6D8838}" type="datetime1">
               <a:rPr lang="vi-VN" smtClean="0"/>
-              <a:t>14/03/2022</a:t>
+              <a:t>28/03/2022</a:t>
             </a:fld>
             <a:endParaRPr lang="vi-VN"/>
           </a:p>
